--- a/Mission One.pptx
+++ b/Mission One.pptx
@@ -130,7 +130,7 @@
   <pc:docChgLst>
     <pc:chgData name="Hayley  Smith" userId="S::hayleys@missionreadyhq.com::0892deb0-d318-4c8d-a116-58788d1926a9" providerId="AD" clId="Web-{C59FB603-C95E-5935-BDC1-8C2D37BE86BF}"/>
     <pc:docChg chg="addSld delSld modSld addMainMaster delMainMaster">
-      <pc:chgData name="Hayley  Smith" userId="S::hayleys@missionreadyhq.com::0892deb0-d318-4c8d-a116-58788d1926a9" providerId="AD" clId="Web-{C59FB603-C95E-5935-BDC1-8C2D37BE86BF}" dt="2024-06-27T13:26:39.797" v="932"/>
+      <pc:chgData name="Hayley  Smith" userId="S::hayleys@missionreadyhq.com::0892deb0-d318-4c8d-a116-58788d1926a9" providerId="AD" clId="Web-{C59FB603-C95E-5935-BDC1-8C2D37BE86BF}" dt="2024-06-28T05:32:19.290" v="933" actId="1076"/>
       <pc:docMkLst>
         <pc:docMk/>
       </pc:docMkLst>
@@ -1049,7 +1049,7 @@
         </pc:cxnChg>
       </pc:sldChg>
       <pc:sldChg chg="addSp delSp modSp new mod setBg">
-        <pc:chgData name="Hayley  Smith" userId="S::hayleys@missionreadyhq.com::0892deb0-d318-4c8d-a116-58788d1926a9" providerId="AD" clId="Web-{C59FB603-C95E-5935-BDC1-8C2D37BE86BF}" dt="2024-06-27T06:12:47.321" v="691"/>
+        <pc:chgData name="Hayley  Smith" userId="S::hayleys@missionreadyhq.com::0892deb0-d318-4c8d-a116-58788d1926a9" providerId="AD" clId="Web-{C59FB603-C95E-5935-BDC1-8C2D37BE86BF}" dt="2024-06-28T05:32:19.290" v="933" actId="1076"/>
         <pc:sldMkLst>
           <pc:docMk/>
           <pc:sldMk cId="1700622210" sldId="262"/>
@@ -1110,8 +1110,8 @@
             <ac:spMk id="22" creationId="{86506110-E6E1-4309-83FA-C6B068FA341C}"/>
           </ac:spMkLst>
         </pc:spChg>
-        <pc:graphicFrameChg chg="add">
-          <ac:chgData name="Hayley  Smith" userId="S::hayleys@missionreadyhq.com::0892deb0-d318-4c8d-a116-58788d1926a9" providerId="AD" clId="Web-{C59FB603-C95E-5935-BDC1-8C2D37BE86BF}" dt="2024-06-27T06:12:47.321" v="691"/>
+        <pc:graphicFrameChg chg="add mod">
+          <ac:chgData name="Hayley  Smith" userId="S::hayleys@missionreadyhq.com::0892deb0-d318-4c8d-a116-58788d1926a9" providerId="AD" clId="Web-{C59FB603-C95E-5935-BDC1-8C2D37BE86BF}" dt="2024-06-28T05:32:19.290" v="933" actId="1076"/>
           <ac:graphicFrameMkLst>
             <pc:docMk/>
             <pc:sldMk cId="1700622210" sldId="262"/>
@@ -16747,13 +16747,13 @@
             <p:ph idx="1"/>
             <p:extLst>
               <p:ext uri="{D42A27DB-BD31-4B8C-83A1-F6EECF244321}">
-                <p14:modId xmlns:p14="http://schemas.microsoft.com/office/powerpoint/2010/main" val="4210835419"/>
+                <p14:modId xmlns:p14="http://schemas.microsoft.com/office/powerpoint/2010/main" val="3161160657"/>
               </p:ext>
             </p:extLst>
           </p:nvPr>
         </p:nvGraphicFramePr>
         <p:xfrm>
-          <a:off x="633413" y="639763"/>
+          <a:off x="532560" y="897498"/>
           <a:ext cx="6910387" cy="5051425"/>
         </p:xfrm>
         <a:graphic>
